--- a/ppt 16-9/1238.当趁着年轻.pptx
+++ b/ppt 16-9/1238.当趁着年轻.pptx
@@ -129,7 +129,7 @@
           <p:cNvPr id="2" name="标题 1">
             <a:extLst>
               <a:ext uri="{FF2B5EF4-FFF2-40B4-BE49-F238E27FC236}">
-                <a16:creationId xmlns:a16="http://schemas.microsoft.com/office/drawing/2014/main" id="{2D96B164-D0CF-C046-7D48-84C03C15BA51}"/>
+                <a16:creationId xmlns:a16="http://schemas.microsoft.com/office/drawing/2014/main" id="{9F8EE991-4B72-DF4B-07E7-FAE9E4A17025}"/>
               </a:ext>
             </a:extLst>
           </p:cNvPr>
@@ -166,7 +166,7 @@
           <p:cNvPr id="3" name="副标题 2">
             <a:extLst>
               <a:ext uri="{FF2B5EF4-FFF2-40B4-BE49-F238E27FC236}">
-                <a16:creationId xmlns:a16="http://schemas.microsoft.com/office/drawing/2014/main" id="{E4B53131-0EE4-CA57-77F6-E546B55ED85B}"/>
+                <a16:creationId xmlns:a16="http://schemas.microsoft.com/office/drawing/2014/main" id="{078BB88F-532C-9F4C-AB03-6548056D0F73}"/>
               </a:ext>
             </a:extLst>
           </p:cNvPr>
@@ -236,7 +236,7 @@
           <p:cNvPr id="4" name="日期占位符 3">
             <a:extLst>
               <a:ext uri="{FF2B5EF4-FFF2-40B4-BE49-F238E27FC236}">
-                <a16:creationId xmlns:a16="http://schemas.microsoft.com/office/drawing/2014/main" id="{142FAD00-0A06-C3F6-852F-8503FEC7627D}"/>
+                <a16:creationId xmlns:a16="http://schemas.microsoft.com/office/drawing/2014/main" id="{EA90C246-D6D4-EE24-AD6A-5D129E1CDDD5}"/>
               </a:ext>
             </a:extLst>
           </p:cNvPr>
@@ -252,7 +252,7 @@
           <a:bodyPr/>
           <a:lstStyle/>
           <a:p>
-            <a:fld id="{4323ADD4-54BF-4768-9909-BEA81ABD965D}" type="datetimeFigureOut">
+            <a:fld id="{7CBB8669-DCB0-4D78-8B15-0C626FF83238}" type="datetimeFigureOut">
               <a:rPr lang="zh-CN" altLang="en-US" smtClean="0"/>
               <a:t>2024/3/10</a:t>
             </a:fld>
@@ -265,7 +265,7 @@
           <p:cNvPr id="5" name="页脚占位符 4">
             <a:extLst>
               <a:ext uri="{FF2B5EF4-FFF2-40B4-BE49-F238E27FC236}">
-                <a16:creationId xmlns:a16="http://schemas.microsoft.com/office/drawing/2014/main" id="{7F8F6D3E-F880-8F15-04E0-17E266E0BF38}"/>
+                <a16:creationId xmlns:a16="http://schemas.microsoft.com/office/drawing/2014/main" id="{2B52B855-8F68-1335-0544-49952C4368AC}"/>
               </a:ext>
             </a:extLst>
           </p:cNvPr>
@@ -290,7 +290,7 @@
           <p:cNvPr id="6" name="灯片编号占位符 5">
             <a:extLst>
               <a:ext uri="{FF2B5EF4-FFF2-40B4-BE49-F238E27FC236}">
-                <a16:creationId xmlns:a16="http://schemas.microsoft.com/office/drawing/2014/main" id="{365D6355-734C-DA97-763C-AF767749C1BE}"/>
+                <a16:creationId xmlns:a16="http://schemas.microsoft.com/office/drawing/2014/main" id="{B73127AC-7BE3-9809-B55C-0D72C88A4550}"/>
               </a:ext>
             </a:extLst>
           </p:cNvPr>
@@ -306,7 +306,7 @@
           <a:bodyPr/>
           <a:lstStyle/>
           <a:p>
-            <a:fld id="{AE560BD7-21F7-4820-BE0D-6AAE7E369511}" type="slidenum">
+            <a:fld id="{866AAB7D-46B1-415B-877D-8F40988185A1}" type="slidenum">
               <a:rPr lang="zh-CN" altLang="en-US" smtClean="0"/>
               <a:t>‹#›</a:t>
             </a:fld>
@@ -317,7 +317,7 @@
     </p:spTree>
     <p:extLst>
       <p:ext uri="{BB962C8B-B14F-4D97-AF65-F5344CB8AC3E}">
-        <p14:creationId xmlns:p14="http://schemas.microsoft.com/office/powerpoint/2010/main" val="1286729392"/>
+        <p14:creationId xmlns:p14="http://schemas.microsoft.com/office/powerpoint/2010/main" val="1069368942"/>
       </p:ext>
     </p:extLst>
   </p:cSld>
@@ -349,7 +349,7 @@
           <p:cNvPr id="2" name="标题 1">
             <a:extLst>
               <a:ext uri="{FF2B5EF4-FFF2-40B4-BE49-F238E27FC236}">
-                <a16:creationId xmlns:a16="http://schemas.microsoft.com/office/drawing/2014/main" id="{B8968228-23DC-AE00-BD80-3124952BAD54}"/>
+                <a16:creationId xmlns:a16="http://schemas.microsoft.com/office/drawing/2014/main" id="{B9C323ED-0492-16A3-8776-632BD30E71FC}"/>
               </a:ext>
             </a:extLst>
           </p:cNvPr>
@@ -377,7 +377,7 @@
           <p:cNvPr id="3" name="竖排文字占位符 2">
             <a:extLst>
               <a:ext uri="{FF2B5EF4-FFF2-40B4-BE49-F238E27FC236}">
-                <a16:creationId xmlns:a16="http://schemas.microsoft.com/office/drawing/2014/main" id="{D51194DE-F309-3A09-B43F-CAB57B1A1039}"/>
+                <a16:creationId xmlns:a16="http://schemas.microsoft.com/office/drawing/2014/main" id="{B4749790-29CF-FC64-3A59-0D400F355A64}"/>
               </a:ext>
             </a:extLst>
           </p:cNvPr>
@@ -434,7 +434,7 @@
           <p:cNvPr id="4" name="日期占位符 3">
             <a:extLst>
               <a:ext uri="{FF2B5EF4-FFF2-40B4-BE49-F238E27FC236}">
-                <a16:creationId xmlns:a16="http://schemas.microsoft.com/office/drawing/2014/main" id="{EDF107DA-1D96-7B98-FF95-C93567253A83}"/>
+                <a16:creationId xmlns:a16="http://schemas.microsoft.com/office/drawing/2014/main" id="{091F8B72-7650-D14B-8315-D08EBBC13E08}"/>
               </a:ext>
             </a:extLst>
           </p:cNvPr>
@@ -450,7 +450,7 @@
           <a:bodyPr/>
           <a:lstStyle/>
           <a:p>
-            <a:fld id="{4323ADD4-54BF-4768-9909-BEA81ABD965D}" type="datetimeFigureOut">
+            <a:fld id="{7CBB8669-DCB0-4D78-8B15-0C626FF83238}" type="datetimeFigureOut">
               <a:rPr lang="zh-CN" altLang="en-US" smtClean="0"/>
               <a:t>2024/3/10</a:t>
             </a:fld>
@@ -463,7 +463,7 @@
           <p:cNvPr id="5" name="页脚占位符 4">
             <a:extLst>
               <a:ext uri="{FF2B5EF4-FFF2-40B4-BE49-F238E27FC236}">
-                <a16:creationId xmlns:a16="http://schemas.microsoft.com/office/drawing/2014/main" id="{45312D75-EF27-482D-7CA2-57AB72C4D59C}"/>
+                <a16:creationId xmlns:a16="http://schemas.microsoft.com/office/drawing/2014/main" id="{3BD4423B-8023-EAF6-799D-B5A5213F3143}"/>
               </a:ext>
             </a:extLst>
           </p:cNvPr>
@@ -488,7 +488,7 @@
           <p:cNvPr id="6" name="灯片编号占位符 5">
             <a:extLst>
               <a:ext uri="{FF2B5EF4-FFF2-40B4-BE49-F238E27FC236}">
-                <a16:creationId xmlns:a16="http://schemas.microsoft.com/office/drawing/2014/main" id="{1A1FF438-0EEA-60A6-B9AE-2BBCA55C765D}"/>
+                <a16:creationId xmlns:a16="http://schemas.microsoft.com/office/drawing/2014/main" id="{E064416C-2C52-2DA2-8716-78208E9CF313}"/>
               </a:ext>
             </a:extLst>
           </p:cNvPr>
@@ -504,7 +504,7 @@
           <a:bodyPr/>
           <a:lstStyle/>
           <a:p>
-            <a:fld id="{AE560BD7-21F7-4820-BE0D-6AAE7E369511}" type="slidenum">
+            <a:fld id="{866AAB7D-46B1-415B-877D-8F40988185A1}" type="slidenum">
               <a:rPr lang="zh-CN" altLang="en-US" smtClean="0"/>
               <a:t>‹#›</a:t>
             </a:fld>
@@ -515,7 +515,7 @@
     </p:spTree>
     <p:extLst>
       <p:ext uri="{BB962C8B-B14F-4D97-AF65-F5344CB8AC3E}">
-        <p14:creationId xmlns:p14="http://schemas.microsoft.com/office/powerpoint/2010/main" val="1644683555"/>
+        <p14:creationId xmlns:p14="http://schemas.microsoft.com/office/powerpoint/2010/main" val="1342368106"/>
       </p:ext>
     </p:extLst>
   </p:cSld>
@@ -547,7 +547,7 @@
           <p:cNvPr id="2" name="竖排标题 1">
             <a:extLst>
               <a:ext uri="{FF2B5EF4-FFF2-40B4-BE49-F238E27FC236}">
-                <a16:creationId xmlns:a16="http://schemas.microsoft.com/office/drawing/2014/main" id="{2CC09963-DDFF-446D-7294-3A1E62C04957}"/>
+                <a16:creationId xmlns:a16="http://schemas.microsoft.com/office/drawing/2014/main" id="{A23BAAEF-32C7-0B06-637E-720063E7F7C4}"/>
               </a:ext>
             </a:extLst>
           </p:cNvPr>
@@ -580,7 +580,7 @@
           <p:cNvPr id="3" name="竖排文字占位符 2">
             <a:extLst>
               <a:ext uri="{FF2B5EF4-FFF2-40B4-BE49-F238E27FC236}">
-                <a16:creationId xmlns:a16="http://schemas.microsoft.com/office/drawing/2014/main" id="{E8D82924-3C8F-6DBA-FABF-7D1163767010}"/>
+                <a16:creationId xmlns:a16="http://schemas.microsoft.com/office/drawing/2014/main" id="{14245411-A8A3-77B0-E170-9D78CFFDDD6C}"/>
               </a:ext>
             </a:extLst>
           </p:cNvPr>
@@ -642,7 +642,7 @@
           <p:cNvPr id="4" name="日期占位符 3">
             <a:extLst>
               <a:ext uri="{FF2B5EF4-FFF2-40B4-BE49-F238E27FC236}">
-                <a16:creationId xmlns:a16="http://schemas.microsoft.com/office/drawing/2014/main" id="{FF0CE1F5-4C68-6C56-5599-7EFF1314A32C}"/>
+                <a16:creationId xmlns:a16="http://schemas.microsoft.com/office/drawing/2014/main" id="{E0BB5FFA-D1F9-6C56-AF7D-91C4BB99DC52}"/>
               </a:ext>
             </a:extLst>
           </p:cNvPr>
@@ -658,7 +658,7 @@
           <a:bodyPr/>
           <a:lstStyle/>
           <a:p>
-            <a:fld id="{4323ADD4-54BF-4768-9909-BEA81ABD965D}" type="datetimeFigureOut">
+            <a:fld id="{7CBB8669-DCB0-4D78-8B15-0C626FF83238}" type="datetimeFigureOut">
               <a:rPr lang="zh-CN" altLang="en-US" smtClean="0"/>
               <a:t>2024/3/10</a:t>
             </a:fld>
@@ -671,7 +671,7 @@
           <p:cNvPr id="5" name="页脚占位符 4">
             <a:extLst>
               <a:ext uri="{FF2B5EF4-FFF2-40B4-BE49-F238E27FC236}">
-                <a16:creationId xmlns:a16="http://schemas.microsoft.com/office/drawing/2014/main" id="{681831D5-14A0-8076-D6E4-7CE31FD1EF46}"/>
+                <a16:creationId xmlns:a16="http://schemas.microsoft.com/office/drawing/2014/main" id="{3E88A421-5687-9625-E902-C53B2957B6D7}"/>
               </a:ext>
             </a:extLst>
           </p:cNvPr>
@@ -696,7 +696,7 @@
           <p:cNvPr id="6" name="灯片编号占位符 5">
             <a:extLst>
               <a:ext uri="{FF2B5EF4-FFF2-40B4-BE49-F238E27FC236}">
-                <a16:creationId xmlns:a16="http://schemas.microsoft.com/office/drawing/2014/main" id="{6C75FB6C-9821-29AE-2A19-002C220B2AB0}"/>
+                <a16:creationId xmlns:a16="http://schemas.microsoft.com/office/drawing/2014/main" id="{EAF0ACD7-E44F-AAA9-C99E-2FB4F1881192}"/>
               </a:ext>
             </a:extLst>
           </p:cNvPr>
@@ -712,7 +712,7 @@
           <a:bodyPr/>
           <a:lstStyle/>
           <a:p>
-            <a:fld id="{AE560BD7-21F7-4820-BE0D-6AAE7E369511}" type="slidenum">
+            <a:fld id="{866AAB7D-46B1-415B-877D-8F40988185A1}" type="slidenum">
               <a:rPr lang="zh-CN" altLang="en-US" smtClean="0"/>
               <a:t>‹#›</a:t>
             </a:fld>
@@ -723,7 +723,7 @@
     </p:spTree>
     <p:extLst>
       <p:ext uri="{BB962C8B-B14F-4D97-AF65-F5344CB8AC3E}">
-        <p14:creationId xmlns:p14="http://schemas.microsoft.com/office/powerpoint/2010/main" val="1895477040"/>
+        <p14:creationId xmlns:p14="http://schemas.microsoft.com/office/powerpoint/2010/main" val="2557650548"/>
       </p:ext>
     </p:extLst>
   </p:cSld>
@@ -755,7 +755,7 @@
           <p:cNvPr id="2" name="标题 1">
             <a:extLst>
               <a:ext uri="{FF2B5EF4-FFF2-40B4-BE49-F238E27FC236}">
-                <a16:creationId xmlns:a16="http://schemas.microsoft.com/office/drawing/2014/main" id="{245975B2-EE8A-F92A-0326-15FC2A6FC249}"/>
+                <a16:creationId xmlns:a16="http://schemas.microsoft.com/office/drawing/2014/main" id="{1A04EE5D-F549-C8AE-3A90-CED75C4452D6}"/>
               </a:ext>
             </a:extLst>
           </p:cNvPr>
@@ -783,7 +783,7 @@
           <p:cNvPr id="3" name="内容占位符 2">
             <a:extLst>
               <a:ext uri="{FF2B5EF4-FFF2-40B4-BE49-F238E27FC236}">
-                <a16:creationId xmlns:a16="http://schemas.microsoft.com/office/drawing/2014/main" id="{4698290D-E943-4403-8469-663B5D28060A}"/>
+                <a16:creationId xmlns:a16="http://schemas.microsoft.com/office/drawing/2014/main" id="{BD14728B-E273-EBCE-5E1C-4CCF924ED10A}"/>
               </a:ext>
             </a:extLst>
           </p:cNvPr>
@@ -840,7 +840,7 @@
           <p:cNvPr id="4" name="日期占位符 3">
             <a:extLst>
               <a:ext uri="{FF2B5EF4-FFF2-40B4-BE49-F238E27FC236}">
-                <a16:creationId xmlns:a16="http://schemas.microsoft.com/office/drawing/2014/main" id="{0DF3C355-8BCF-1FF7-D6BD-E0EFB23107AB}"/>
+                <a16:creationId xmlns:a16="http://schemas.microsoft.com/office/drawing/2014/main" id="{51A1F63B-2ACE-8CBC-80CA-CEA6EF352B0B}"/>
               </a:ext>
             </a:extLst>
           </p:cNvPr>
@@ -856,7 +856,7 @@
           <a:bodyPr/>
           <a:lstStyle/>
           <a:p>
-            <a:fld id="{4323ADD4-54BF-4768-9909-BEA81ABD965D}" type="datetimeFigureOut">
+            <a:fld id="{7CBB8669-DCB0-4D78-8B15-0C626FF83238}" type="datetimeFigureOut">
               <a:rPr lang="zh-CN" altLang="en-US" smtClean="0"/>
               <a:t>2024/3/10</a:t>
             </a:fld>
@@ -869,7 +869,7 @@
           <p:cNvPr id="5" name="页脚占位符 4">
             <a:extLst>
               <a:ext uri="{FF2B5EF4-FFF2-40B4-BE49-F238E27FC236}">
-                <a16:creationId xmlns:a16="http://schemas.microsoft.com/office/drawing/2014/main" id="{17F0ED83-8A58-45E8-D7EA-A435AE8A0713}"/>
+                <a16:creationId xmlns:a16="http://schemas.microsoft.com/office/drawing/2014/main" id="{BEBBD684-42CB-4CFD-9418-7E5425B49BDB}"/>
               </a:ext>
             </a:extLst>
           </p:cNvPr>
@@ -894,7 +894,7 @@
           <p:cNvPr id="6" name="灯片编号占位符 5">
             <a:extLst>
               <a:ext uri="{FF2B5EF4-FFF2-40B4-BE49-F238E27FC236}">
-                <a16:creationId xmlns:a16="http://schemas.microsoft.com/office/drawing/2014/main" id="{4A45511F-3ABC-493F-EF20-1FE8C7B5100D}"/>
+                <a16:creationId xmlns:a16="http://schemas.microsoft.com/office/drawing/2014/main" id="{6D453AD9-2C25-A721-02B1-7859C108B113}"/>
               </a:ext>
             </a:extLst>
           </p:cNvPr>
@@ -910,7 +910,7 @@
           <a:bodyPr/>
           <a:lstStyle/>
           <a:p>
-            <a:fld id="{AE560BD7-21F7-4820-BE0D-6AAE7E369511}" type="slidenum">
+            <a:fld id="{866AAB7D-46B1-415B-877D-8F40988185A1}" type="slidenum">
               <a:rPr lang="zh-CN" altLang="en-US" smtClean="0"/>
               <a:t>‹#›</a:t>
             </a:fld>
@@ -921,7 +921,7 @@
     </p:spTree>
     <p:extLst>
       <p:ext uri="{BB962C8B-B14F-4D97-AF65-F5344CB8AC3E}">
-        <p14:creationId xmlns:p14="http://schemas.microsoft.com/office/powerpoint/2010/main" val="1341083057"/>
+        <p14:creationId xmlns:p14="http://schemas.microsoft.com/office/powerpoint/2010/main" val="3528714954"/>
       </p:ext>
     </p:extLst>
   </p:cSld>
@@ -953,7 +953,7 @@
           <p:cNvPr id="2" name="标题 1">
             <a:extLst>
               <a:ext uri="{FF2B5EF4-FFF2-40B4-BE49-F238E27FC236}">
-                <a16:creationId xmlns:a16="http://schemas.microsoft.com/office/drawing/2014/main" id="{B2BE688A-8BF6-F4BA-1CA3-D66A5D081F9E}"/>
+                <a16:creationId xmlns:a16="http://schemas.microsoft.com/office/drawing/2014/main" id="{BEA5145A-5D6F-DEA5-63C0-BB348D60AD43}"/>
               </a:ext>
             </a:extLst>
           </p:cNvPr>
@@ -990,7 +990,7 @@
           <p:cNvPr id="3" name="文本占位符 2">
             <a:extLst>
               <a:ext uri="{FF2B5EF4-FFF2-40B4-BE49-F238E27FC236}">
-                <a16:creationId xmlns:a16="http://schemas.microsoft.com/office/drawing/2014/main" id="{C9483DDD-AAFC-9D04-90C0-F92D0400352F}"/>
+                <a16:creationId xmlns:a16="http://schemas.microsoft.com/office/drawing/2014/main" id="{356F4114-2682-FC1E-FE25-A94CA86C68AA}"/>
               </a:ext>
             </a:extLst>
           </p:cNvPr>
@@ -1115,7 +1115,7 @@
           <p:cNvPr id="4" name="日期占位符 3">
             <a:extLst>
               <a:ext uri="{FF2B5EF4-FFF2-40B4-BE49-F238E27FC236}">
-                <a16:creationId xmlns:a16="http://schemas.microsoft.com/office/drawing/2014/main" id="{18C1BA89-41E3-5B9C-3841-C15EF2C03528}"/>
+                <a16:creationId xmlns:a16="http://schemas.microsoft.com/office/drawing/2014/main" id="{A6F5E20A-A573-720C-6C3D-2BAF92953F07}"/>
               </a:ext>
             </a:extLst>
           </p:cNvPr>
@@ -1131,7 +1131,7 @@
           <a:bodyPr/>
           <a:lstStyle/>
           <a:p>
-            <a:fld id="{4323ADD4-54BF-4768-9909-BEA81ABD965D}" type="datetimeFigureOut">
+            <a:fld id="{7CBB8669-DCB0-4D78-8B15-0C626FF83238}" type="datetimeFigureOut">
               <a:rPr lang="zh-CN" altLang="en-US" smtClean="0"/>
               <a:t>2024/3/10</a:t>
             </a:fld>
@@ -1144,7 +1144,7 @@
           <p:cNvPr id="5" name="页脚占位符 4">
             <a:extLst>
               <a:ext uri="{FF2B5EF4-FFF2-40B4-BE49-F238E27FC236}">
-                <a16:creationId xmlns:a16="http://schemas.microsoft.com/office/drawing/2014/main" id="{E7D9238E-3C4D-6CB5-029D-48A130DB6A26}"/>
+                <a16:creationId xmlns:a16="http://schemas.microsoft.com/office/drawing/2014/main" id="{398A5388-18B2-3A41-85F0-5A26464F8991}"/>
               </a:ext>
             </a:extLst>
           </p:cNvPr>
@@ -1169,7 +1169,7 @@
           <p:cNvPr id="6" name="灯片编号占位符 5">
             <a:extLst>
               <a:ext uri="{FF2B5EF4-FFF2-40B4-BE49-F238E27FC236}">
-                <a16:creationId xmlns:a16="http://schemas.microsoft.com/office/drawing/2014/main" id="{DE093CCE-5F38-95F3-1709-0AA6F3BC754B}"/>
+                <a16:creationId xmlns:a16="http://schemas.microsoft.com/office/drawing/2014/main" id="{99B0E34E-7A80-6FBF-2785-D6C50DE5838C}"/>
               </a:ext>
             </a:extLst>
           </p:cNvPr>
@@ -1185,7 +1185,7 @@
           <a:bodyPr/>
           <a:lstStyle/>
           <a:p>
-            <a:fld id="{AE560BD7-21F7-4820-BE0D-6AAE7E369511}" type="slidenum">
+            <a:fld id="{866AAB7D-46B1-415B-877D-8F40988185A1}" type="slidenum">
               <a:rPr lang="zh-CN" altLang="en-US" smtClean="0"/>
               <a:t>‹#›</a:t>
             </a:fld>
@@ -1196,7 +1196,7 @@
     </p:spTree>
     <p:extLst>
       <p:ext uri="{BB962C8B-B14F-4D97-AF65-F5344CB8AC3E}">
-        <p14:creationId xmlns:p14="http://schemas.microsoft.com/office/powerpoint/2010/main" val="65078611"/>
+        <p14:creationId xmlns:p14="http://schemas.microsoft.com/office/powerpoint/2010/main" val="2681771177"/>
       </p:ext>
     </p:extLst>
   </p:cSld>
@@ -1228,7 +1228,7 @@
           <p:cNvPr id="2" name="标题 1">
             <a:extLst>
               <a:ext uri="{FF2B5EF4-FFF2-40B4-BE49-F238E27FC236}">
-                <a16:creationId xmlns:a16="http://schemas.microsoft.com/office/drawing/2014/main" id="{F75C7E3D-C774-FA69-C6E3-6A0D1A4BDAF1}"/>
+                <a16:creationId xmlns:a16="http://schemas.microsoft.com/office/drawing/2014/main" id="{70F00E4C-503D-CB1E-7EF6-AB5BBC937EB1}"/>
               </a:ext>
             </a:extLst>
           </p:cNvPr>
@@ -1256,7 +1256,7 @@
           <p:cNvPr id="3" name="内容占位符 2">
             <a:extLst>
               <a:ext uri="{FF2B5EF4-FFF2-40B4-BE49-F238E27FC236}">
-                <a16:creationId xmlns:a16="http://schemas.microsoft.com/office/drawing/2014/main" id="{0132A020-2804-17AB-F8BE-1DAF30D6B043}"/>
+                <a16:creationId xmlns:a16="http://schemas.microsoft.com/office/drawing/2014/main" id="{6229BC7B-0B0E-2E96-9A6F-367EFD287F4B}"/>
               </a:ext>
             </a:extLst>
           </p:cNvPr>
@@ -1318,7 +1318,7 @@
           <p:cNvPr id="4" name="内容占位符 3">
             <a:extLst>
               <a:ext uri="{FF2B5EF4-FFF2-40B4-BE49-F238E27FC236}">
-                <a16:creationId xmlns:a16="http://schemas.microsoft.com/office/drawing/2014/main" id="{5F167FB2-9300-372A-E954-5944D412EAB7}"/>
+                <a16:creationId xmlns:a16="http://schemas.microsoft.com/office/drawing/2014/main" id="{2195798B-93E2-1316-C6FA-50B7180A5EFA}"/>
               </a:ext>
             </a:extLst>
           </p:cNvPr>
@@ -1380,7 +1380,7 @@
           <p:cNvPr id="5" name="日期占位符 4">
             <a:extLst>
               <a:ext uri="{FF2B5EF4-FFF2-40B4-BE49-F238E27FC236}">
-                <a16:creationId xmlns:a16="http://schemas.microsoft.com/office/drawing/2014/main" id="{F67EF19D-144E-C686-F902-252920A17BFA}"/>
+                <a16:creationId xmlns:a16="http://schemas.microsoft.com/office/drawing/2014/main" id="{87FE54E9-85EB-FB5E-D1F3-8343DCEA792D}"/>
               </a:ext>
             </a:extLst>
           </p:cNvPr>
@@ -1396,7 +1396,7 @@
           <a:bodyPr/>
           <a:lstStyle/>
           <a:p>
-            <a:fld id="{4323ADD4-54BF-4768-9909-BEA81ABD965D}" type="datetimeFigureOut">
+            <a:fld id="{7CBB8669-DCB0-4D78-8B15-0C626FF83238}" type="datetimeFigureOut">
               <a:rPr lang="zh-CN" altLang="en-US" smtClean="0"/>
               <a:t>2024/3/10</a:t>
             </a:fld>
@@ -1409,7 +1409,7 @@
           <p:cNvPr id="6" name="页脚占位符 5">
             <a:extLst>
               <a:ext uri="{FF2B5EF4-FFF2-40B4-BE49-F238E27FC236}">
-                <a16:creationId xmlns:a16="http://schemas.microsoft.com/office/drawing/2014/main" id="{ED9139A5-7552-2286-8B06-518CFEA1D49C}"/>
+                <a16:creationId xmlns:a16="http://schemas.microsoft.com/office/drawing/2014/main" id="{2A4EFC3C-5788-D51B-12EE-6283FE8AECD8}"/>
               </a:ext>
             </a:extLst>
           </p:cNvPr>
@@ -1434,7 +1434,7 @@
           <p:cNvPr id="7" name="灯片编号占位符 6">
             <a:extLst>
               <a:ext uri="{FF2B5EF4-FFF2-40B4-BE49-F238E27FC236}">
-                <a16:creationId xmlns:a16="http://schemas.microsoft.com/office/drawing/2014/main" id="{948F0F2A-608B-8557-E4F1-C85A0569A6F5}"/>
+                <a16:creationId xmlns:a16="http://schemas.microsoft.com/office/drawing/2014/main" id="{DF829E86-48BA-BF08-2C5A-2536AF434FE0}"/>
               </a:ext>
             </a:extLst>
           </p:cNvPr>
@@ -1450,7 +1450,7 @@
           <a:bodyPr/>
           <a:lstStyle/>
           <a:p>
-            <a:fld id="{AE560BD7-21F7-4820-BE0D-6AAE7E369511}" type="slidenum">
+            <a:fld id="{866AAB7D-46B1-415B-877D-8F40988185A1}" type="slidenum">
               <a:rPr lang="zh-CN" altLang="en-US" smtClean="0"/>
               <a:t>‹#›</a:t>
             </a:fld>
@@ -1461,7 +1461,7 @@
     </p:spTree>
     <p:extLst>
       <p:ext uri="{BB962C8B-B14F-4D97-AF65-F5344CB8AC3E}">
-        <p14:creationId xmlns:p14="http://schemas.microsoft.com/office/powerpoint/2010/main" val="1550810297"/>
+        <p14:creationId xmlns:p14="http://schemas.microsoft.com/office/powerpoint/2010/main" val="431081820"/>
       </p:ext>
     </p:extLst>
   </p:cSld>
@@ -1493,7 +1493,7 @@
           <p:cNvPr id="2" name="标题 1">
             <a:extLst>
               <a:ext uri="{FF2B5EF4-FFF2-40B4-BE49-F238E27FC236}">
-                <a16:creationId xmlns:a16="http://schemas.microsoft.com/office/drawing/2014/main" id="{16D2995C-88D3-FB69-3840-F78C12659AA5}"/>
+                <a16:creationId xmlns:a16="http://schemas.microsoft.com/office/drawing/2014/main" id="{48900239-B8C4-6679-3575-FFB63DF7281F}"/>
               </a:ext>
             </a:extLst>
           </p:cNvPr>
@@ -1526,7 +1526,7 @@
           <p:cNvPr id="3" name="文本占位符 2">
             <a:extLst>
               <a:ext uri="{FF2B5EF4-FFF2-40B4-BE49-F238E27FC236}">
-                <a16:creationId xmlns:a16="http://schemas.microsoft.com/office/drawing/2014/main" id="{69927E97-1DC4-7C2C-E8A8-2C6041DBF15C}"/>
+                <a16:creationId xmlns:a16="http://schemas.microsoft.com/office/drawing/2014/main" id="{1A8A1437-AA97-01D8-63D9-8AF1EBE577FA}"/>
               </a:ext>
             </a:extLst>
           </p:cNvPr>
@@ -1597,7 +1597,7 @@
           <p:cNvPr id="4" name="内容占位符 3">
             <a:extLst>
               <a:ext uri="{FF2B5EF4-FFF2-40B4-BE49-F238E27FC236}">
-                <a16:creationId xmlns:a16="http://schemas.microsoft.com/office/drawing/2014/main" id="{F0A520A2-2687-5A6B-4BDA-4DF56F884F7B}"/>
+                <a16:creationId xmlns:a16="http://schemas.microsoft.com/office/drawing/2014/main" id="{28639084-826E-56D6-77E2-9804077321AA}"/>
               </a:ext>
             </a:extLst>
           </p:cNvPr>
@@ -1659,7 +1659,7 @@
           <p:cNvPr id="5" name="文本占位符 4">
             <a:extLst>
               <a:ext uri="{FF2B5EF4-FFF2-40B4-BE49-F238E27FC236}">
-                <a16:creationId xmlns:a16="http://schemas.microsoft.com/office/drawing/2014/main" id="{C9F97BDA-26A7-1A1F-0F58-73824E786B8F}"/>
+                <a16:creationId xmlns:a16="http://schemas.microsoft.com/office/drawing/2014/main" id="{23820BD2-ED9E-7ECA-F8EF-4F846593919F}"/>
               </a:ext>
             </a:extLst>
           </p:cNvPr>
@@ -1730,7 +1730,7 @@
           <p:cNvPr id="6" name="内容占位符 5">
             <a:extLst>
               <a:ext uri="{FF2B5EF4-FFF2-40B4-BE49-F238E27FC236}">
-                <a16:creationId xmlns:a16="http://schemas.microsoft.com/office/drawing/2014/main" id="{091092A3-A669-0CBD-B1A7-9033980B0A29}"/>
+                <a16:creationId xmlns:a16="http://schemas.microsoft.com/office/drawing/2014/main" id="{7F41E36F-A851-FDCD-6BC7-B3B4B0F66DDD}"/>
               </a:ext>
             </a:extLst>
           </p:cNvPr>
@@ -1792,7 +1792,7 @@
           <p:cNvPr id="7" name="日期占位符 6">
             <a:extLst>
               <a:ext uri="{FF2B5EF4-FFF2-40B4-BE49-F238E27FC236}">
-                <a16:creationId xmlns:a16="http://schemas.microsoft.com/office/drawing/2014/main" id="{9BDDE350-B0D4-6C62-28F0-8252B91A7A48}"/>
+                <a16:creationId xmlns:a16="http://schemas.microsoft.com/office/drawing/2014/main" id="{B1866B11-6973-1E31-741A-BFE95AFD27D1}"/>
               </a:ext>
             </a:extLst>
           </p:cNvPr>
@@ -1808,7 +1808,7 @@
           <a:bodyPr/>
           <a:lstStyle/>
           <a:p>
-            <a:fld id="{4323ADD4-54BF-4768-9909-BEA81ABD965D}" type="datetimeFigureOut">
+            <a:fld id="{7CBB8669-DCB0-4D78-8B15-0C626FF83238}" type="datetimeFigureOut">
               <a:rPr lang="zh-CN" altLang="en-US" smtClean="0"/>
               <a:t>2024/3/10</a:t>
             </a:fld>
@@ -1821,7 +1821,7 @@
           <p:cNvPr id="8" name="页脚占位符 7">
             <a:extLst>
               <a:ext uri="{FF2B5EF4-FFF2-40B4-BE49-F238E27FC236}">
-                <a16:creationId xmlns:a16="http://schemas.microsoft.com/office/drawing/2014/main" id="{739BA712-9A93-449E-D94A-AC7B51AD1F62}"/>
+                <a16:creationId xmlns:a16="http://schemas.microsoft.com/office/drawing/2014/main" id="{D8AFB82C-BB76-80CA-D15F-6C28E80F6024}"/>
               </a:ext>
             </a:extLst>
           </p:cNvPr>
@@ -1846,7 +1846,7 @@
           <p:cNvPr id="9" name="灯片编号占位符 8">
             <a:extLst>
               <a:ext uri="{FF2B5EF4-FFF2-40B4-BE49-F238E27FC236}">
-                <a16:creationId xmlns:a16="http://schemas.microsoft.com/office/drawing/2014/main" id="{400CA2E8-5659-3CEE-6F65-2FD64DDCAD55}"/>
+                <a16:creationId xmlns:a16="http://schemas.microsoft.com/office/drawing/2014/main" id="{759E36F0-059D-00BF-DD4D-B56FB2D113E3}"/>
               </a:ext>
             </a:extLst>
           </p:cNvPr>
@@ -1862,7 +1862,7 @@
           <a:bodyPr/>
           <a:lstStyle/>
           <a:p>
-            <a:fld id="{AE560BD7-21F7-4820-BE0D-6AAE7E369511}" type="slidenum">
+            <a:fld id="{866AAB7D-46B1-415B-877D-8F40988185A1}" type="slidenum">
               <a:rPr lang="zh-CN" altLang="en-US" smtClean="0"/>
               <a:t>‹#›</a:t>
             </a:fld>
@@ -1873,7 +1873,7 @@
     </p:spTree>
     <p:extLst>
       <p:ext uri="{BB962C8B-B14F-4D97-AF65-F5344CB8AC3E}">
-        <p14:creationId xmlns:p14="http://schemas.microsoft.com/office/powerpoint/2010/main" val="3699172772"/>
+        <p14:creationId xmlns:p14="http://schemas.microsoft.com/office/powerpoint/2010/main" val="4294525546"/>
       </p:ext>
     </p:extLst>
   </p:cSld>
@@ -1905,7 +1905,7 @@
           <p:cNvPr id="2" name="标题 1">
             <a:extLst>
               <a:ext uri="{FF2B5EF4-FFF2-40B4-BE49-F238E27FC236}">
-                <a16:creationId xmlns:a16="http://schemas.microsoft.com/office/drawing/2014/main" id="{8FC5026E-35C4-4115-FEC3-D5A91A02A3DB}"/>
+                <a16:creationId xmlns:a16="http://schemas.microsoft.com/office/drawing/2014/main" id="{1C885C19-6DA6-1CC7-CC00-D77509316E35}"/>
               </a:ext>
             </a:extLst>
           </p:cNvPr>
@@ -1933,7 +1933,7 @@
           <p:cNvPr id="3" name="日期占位符 2">
             <a:extLst>
               <a:ext uri="{FF2B5EF4-FFF2-40B4-BE49-F238E27FC236}">
-                <a16:creationId xmlns:a16="http://schemas.microsoft.com/office/drawing/2014/main" id="{DAFC62FC-20F6-F24F-4102-FA6C0F3D7CB5}"/>
+                <a16:creationId xmlns:a16="http://schemas.microsoft.com/office/drawing/2014/main" id="{1DDBFD12-40E6-4EAD-2B02-A9DD2305F7D2}"/>
               </a:ext>
             </a:extLst>
           </p:cNvPr>
@@ -1949,7 +1949,7 @@
           <a:bodyPr/>
           <a:lstStyle/>
           <a:p>
-            <a:fld id="{4323ADD4-54BF-4768-9909-BEA81ABD965D}" type="datetimeFigureOut">
+            <a:fld id="{7CBB8669-DCB0-4D78-8B15-0C626FF83238}" type="datetimeFigureOut">
               <a:rPr lang="zh-CN" altLang="en-US" smtClean="0"/>
               <a:t>2024/3/10</a:t>
             </a:fld>
@@ -1962,7 +1962,7 @@
           <p:cNvPr id="4" name="页脚占位符 3">
             <a:extLst>
               <a:ext uri="{FF2B5EF4-FFF2-40B4-BE49-F238E27FC236}">
-                <a16:creationId xmlns:a16="http://schemas.microsoft.com/office/drawing/2014/main" id="{462F29A5-0180-8DC5-D267-59EDB213CC21}"/>
+                <a16:creationId xmlns:a16="http://schemas.microsoft.com/office/drawing/2014/main" id="{C30517F4-3A0D-D78F-EC7A-3F766DB2522E}"/>
               </a:ext>
             </a:extLst>
           </p:cNvPr>
@@ -1987,7 +1987,7 @@
           <p:cNvPr id="5" name="灯片编号占位符 4">
             <a:extLst>
               <a:ext uri="{FF2B5EF4-FFF2-40B4-BE49-F238E27FC236}">
-                <a16:creationId xmlns:a16="http://schemas.microsoft.com/office/drawing/2014/main" id="{B6EDDA04-7F28-39C3-332D-1E8140F5784B}"/>
+                <a16:creationId xmlns:a16="http://schemas.microsoft.com/office/drawing/2014/main" id="{0BF17D33-0E47-D5D7-8D1B-6618117652A0}"/>
               </a:ext>
             </a:extLst>
           </p:cNvPr>
@@ -2003,7 +2003,7 @@
           <a:bodyPr/>
           <a:lstStyle/>
           <a:p>
-            <a:fld id="{AE560BD7-21F7-4820-BE0D-6AAE7E369511}" type="slidenum">
+            <a:fld id="{866AAB7D-46B1-415B-877D-8F40988185A1}" type="slidenum">
               <a:rPr lang="zh-CN" altLang="en-US" smtClean="0"/>
               <a:t>‹#›</a:t>
             </a:fld>
@@ -2014,7 +2014,7 @@
     </p:spTree>
     <p:extLst>
       <p:ext uri="{BB962C8B-B14F-4D97-AF65-F5344CB8AC3E}">
-        <p14:creationId xmlns:p14="http://schemas.microsoft.com/office/powerpoint/2010/main" val="1202975420"/>
+        <p14:creationId xmlns:p14="http://schemas.microsoft.com/office/powerpoint/2010/main" val="2870024633"/>
       </p:ext>
     </p:extLst>
   </p:cSld>
@@ -2046,7 +2046,7 @@
           <p:cNvPr id="2" name="日期占位符 1">
             <a:extLst>
               <a:ext uri="{FF2B5EF4-FFF2-40B4-BE49-F238E27FC236}">
-                <a16:creationId xmlns:a16="http://schemas.microsoft.com/office/drawing/2014/main" id="{F701EC04-EF6F-44E4-F5E6-977D1B8671AD}"/>
+                <a16:creationId xmlns:a16="http://schemas.microsoft.com/office/drawing/2014/main" id="{1701CF12-2434-4221-A01C-E04BAEB1E3E9}"/>
               </a:ext>
             </a:extLst>
           </p:cNvPr>
@@ -2062,7 +2062,7 @@
           <a:bodyPr/>
           <a:lstStyle/>
           <a:p>
-            <a:fld id="{4323ADD4-54BF-4768-9909-BEA81ABD965D}" type="datetimeFigureOut">
+            <a:fld id="{7CBB8669-DCB0-4D78-8B15-0C626FF83238}" type="datetimeFigureOut">
               <a:rPr lang="zh-CN" altLang="en-US" smtClean="0"/>
               <a:t>2024/3/10</a:t>
             </a:fld>
@@ -2075,7 +2075,7 @@
           <p:cNvPr id="3" name="页脚占位符 2">
             <a:extLst>
               <a:ext uri="{FF2B5EF4-FFF2-40B4-BE49-F238E27FC236}">
-                <a16:creationId xmlns:a16="http://schemas.microsoft.com/office/drawing/2014/main" id="{F988DD89-9303-4974-6F06-B938AA789464}"/>
+                <a16:creationId xmlns:a16="http://schemas.microsoft.com/office/drawing/2014/main" id="{B27AE520-5077-B5CB-03FD-011EDF30685C}"/>
               </a:ext>
             </a:extLst>
           </p:cNvPr>
@@ -2100,7 +2100,7 @@
           <p:cNvPr id="4" name="灯片编号占位符 3">
             <a:extLst>
               <a:ext uri="{FF2B5EF4-FFF2-40B4-BE49-F238E27FC236}">
-                <a16:creationId xmlns:a16="http://schemas.microsoft.com/office/drawing/2014/main" id="{1CCF24A1-BC15-C82A-E602-913B38C5D5C4}"/>
+                <a16:creationId xmlns:a16="http://schemas.microsoft.com/office/drawing/2014/main" id="{59258289-8782-F416-22CB-A68D300402AA}"/>
               </a:ext>
             </a:extLst>
           </p:cNvPr>
@@ -2116,7 +2116,7 @@
           <a:bodyPr/>
           <a:lstStyle/>
           <a:p>
-            <a:fld id="{AE560BD7-21F7-4820-BE0D-6AAE7E369511}" type="slidenum">
+            <a:fld id="{866AAB7D-46B1-415B-877D-8F40988185A1}" type="slidenum">
               <a:rPr lang="zh-CN" altLang="en-US" smtClean="0"/>
               <a:t>‹#›</a:t>
             </a:fld>
@@ -2127,7 +2127,7 @@
     </p:spTree>
     <p:extLst>
       <p:ext uri="{BB962C8B-B14F-4D97-AF65-F5344CB8AC3E}">
-        <p14:creationId xmlns:p14="http://schemas.microsoft.com/office/powerpoint/2010/main" val="1244835244"/>
+        <p14:creationId xmlns:p14="http://schemas.microsoft.com/office/powerpoint/2010/main" val="2084765969"/>
       </p:ext>
     </p:extLst>
   </p:cSld>
@@ -2159,7 +2159,7 @@
           <p:cNvPr id="2" name="标题 1">
             <a:extLst>
               <a:ext uri="{FF2B5EF4-FFF2-40B4-BE49-F238E27FC236}">
-                <a16:creationId xmlns:a16="http://schemas.microsoft.com/office/drawing/2014/main" id="{0FFB168A-1B09-7F1B-4D7D-3AEFECA2EC52}"/>
+                <a16:creationId xmlns:a16="http://schemas.microsoft.com/office/drawing/2014/main" id="{09180232-6171-4AED-49F3-8A0A8F32B9DD}"/>
               </a:ext>
             </a:extLst>
           </p:cNvPr>
@@ -2196,7 +2196,7 @@
           <p:cNvPr id="3" name="内容占位符 2">
             <a:extLst>
               <a:ext uri="{FF2B5EF4-FFF2-40B4-BE49-F238E27FC236}">
-                <a16:creationId xmlns:a16="http://schemas.microsoft.com/office/drawing/2014/main" id="{A331CBD7-C92B-F9FB-FA3F-2FF023603B4D}"/>
+                <a16:creationId xmlns:a16="http://schemas.microsoft.com/office/drawing/2014/main" id="{B139E13A-5600-75E4-D372-6E3832B0C2AE}"/>
               </a:ext>
             </a:extLst>
           </p:cNvPr>
@@ -2286,7 +2286,7 @@
           <p:cNvPr id="4" name="文本占位符 3">
             <a:extLst>
               <a:ext uri="{FF2B5EF4-FFF2-40B4-BE49-F238E27FC236}">
-                <a16:creationId xmlns:a16="http://schemas.microsoft.com/office/drawing/2014/main" id="{5E23359E-BD13-1E6B-723A-B74D11574396}"/>
+                <a16:creationId xmlns:a16="http://schemas.microsoft.com/office/drawing/2014/main" id="{4A69B71A-555A-009D-135C-5D248B0DDD0C}"/>
               </a:ext>
             </a:extLst>
           </p:cNvPr>
@@ -2357,7 +2357,7 @@
           <p:cNvPr id="5" name="日期占位符 4">
             <a:extLst>
               <a:ext uri="{FF2B5EF4-FFF2-40B4-BE49-F238E27FC236}">
-                <a16:creationId xmlns:a16="http://schemas.microsoft.com/office/drawing/2014/main" id="{C0464F41-666C-D0A6-EFF4-05619A4B8A55}"/>
+                <a16:creationId xmlns:a16="http://schemas.microsoft.com/office/drawing/2014/main" id="{77966861-BDFC-277C-0033-CE0DF2A5C03A}"/>
               </a:ext>
             </a:extLst>
           </p:cNvPr>
@@ -2373,7 +2373,7 @@
           <a:bodyPr/>
           <a:lstStyle/>
           <a:p>
-            <a:fld id="{4323ADD4-54BF-4768-9909-BEA81ABD965D}" type="datetimeFigureOut">
+            <a:fld id="{7CBB8669-DCB0-4D78-8B15-0C626FF83238}" type="datetimeFigureOut">
               <a:rPr lang="zh-CN" altLang="en-US" smtClean="0"/>
               <a:t>2024/3/10</a:t>
             </a:fld>
@@ -2386,7 +2386,7 @@
           <p:cNvPr id="6" name="页脚占位符 5">
             <a:extLst>
               <a:ext uri="{FF2B5EF4-FFF2-40B4-BE49-F238E27FC236}">
-                <a16:creationId xmlns:a16="http://schemas.microsoft.com/office/drawing/2014/main" id="{04656004-BE75-2F01-3884-218C89731D52}"/>
+                <a16:creationId xmlns:a16="http://schemas.microsoft.com/office/drawing/2014/main" id="{A9E1C30A-3F4D-7470-EC00-9998191F8C32}"/>
               </a:ext>
             </a:extLst>
           </p:cNvPr>
@@ -2411,7 +2411,7 @@
           <p:cNvPr id="7" name="灯片编号占位符 6">
             <a:extLst>
               <a:ext uri="{FF2B5EF4-FFF2-40B4-BE49-F238E27FC236}">
-                <a16:creationId xmlns:a16="http://schemas.microsoft.com/office/drawing/2014/main" id="{62C47649-2B57-094B-B5AA-8AFD82ED34C7}"/>
+                <a16:creationId xmlns:a16="http://schemas.microsoft.com/office/drawing/2014/main" id="{EAD7F72C-E1A5-2F55-9A13-08B46D73D995}"/>
               </a:ext>
             </a:extLst>
           </p:cNvPr>
@@ -2427,7 +2427,7 @@
           <a:bodyPr/>
           <a:lstStyle/>
           <a:p>
-            <a:fld id="{AE560BD7-21F7-4820-BE0D-6AAE7E369511}" type="slidenum">
+            <a:fld id="{866AAB7D-46B1-415B-877D-8F40988185A1}" type="slidenum">
               <a:rPr lang="zh-CN" altLang="en-US" smtClean="0"/>
               <a:t>‹#›</a:t>
             </a:fld>
@@ -2438,7 +2438,7 @@
     </p:spTree>
     <p:extLst>
       <p:ext uri="{BB962C8B-B14F-4D97-AF65-F5344CB8AC3E}">
-        <p14:creationId xmlns:p14="http://schemas.microsoft.com/office/powerpoint/2010/main" val="2781597773"/>
+        <p14:creationId xmlns:p14="http://schemas.microsoft.com/office/powerpoint/2010/main" val="2847120617"/>
       </p:ext>
     </p:extLst>
   </p:cSld>
@@ -2470,7 +2470,7 @@
           <p:cNvPr id="2" name="标题 1">
             <a:extLst>
               <a:ext uri="{FF2B5EF4-FFF2-40B4-BE49-F238E27FC236}">
-                <a16:creationId xmlns:a16="http://schemas.microsoft.com/office/drawing/2014/main" id="{69F679EF-86BB-5AC0-8827-E30A6191A730}"/>
+                <a16:creationId xmlns:a16="http://schemas.microsoft.com/office/drawing/2014/main" id="{15254B61-EEE6-18FE-1D3C-D1EB6141B03D}"/>
               </a:ext>
             </a:extLst>
           </p:cNvPr>
@@ -2507,7 +2507,7 @@
           <p:cNvPr id="3" name="图片占位符 2">
             <a:extLst>
               <a:ext uri="{FF2B5EF4-FFF2-40B4-BE49-F238E27FC236}">
-                <a16:creationId xmlns:a16="http://schemas.microsoft.com/office/drawing/2014/main" id="{1FE838D0-5C7F-0D3C-A8BE-8C99D66D8B24}"/>
+                <a16:creationId xmlns:a16="http://schemas.microsoft.com/office/drawing/2014/main" id="{C49B24D0-D04B-08BA-484F-2B8BBF7D0DAB}"/>
               </a:ext>
             </a:extLst>
           </p:cNvPr>
@@ -2574,7 +2574,7 @@
           <p:cNvPr id="4" name="文本占位符 3">
             <a:extLst>
               <a:ext uri="{FF2B5EF4-FFF2-40B4-BE49-F238E27FC236}">
-                <a16:creationId xmlns:a16="http://schemas.microsoft.com/office/drawing/2014/main" id="{07261783-CEF3-3129-91E3-6FF3C96AE9F3}"/>
+                <a16:creationId xmlns:a16="http://schemas.microsoft.com/office/drawing/2014/main" id="{AB498C9E-E25D-711A-0971-489FFF7DB940}"/>
               </a:ext>
             </a:extLst>
           </p:cNvPr>
@@ -2645,7 +2645,7 @@
           <p:cNvPr id="5" name="日期占位符 4">
             <a:extLst>
               <a:ext uri="{FF2B5EF4-FFF2-40B4-BE49-F238E27FC236}">
-                <a16:creationId xmlns:a16="http://schemas.microsoft.com/office/drawing/2014/main" id="{C3C08C27-9F4B-37F1-AFD0-44CDB595E21B}"/>
+                <a16:creationId xmlns:a16="http://schemas.microsoft.com/office/drawing/2014/main" id="{A6D84F86-D4BF-915F-340B-5F0C64196F35}"/>
               </a:ext>
             </a:extLst>
           </p:cNvPr>
@@ -2661,7 +2661,7 @@
           <a:bodyPr/>
           <a:lstStyle/>
           <a:p>
-            <a:fld id="{4323ADD4-54BF-4768-9909-BEA81ABD965D}" type="datetimeFigureOut">
+            <a:fld id="{7CBB8669-DCB0-4D78-8B15-0C626FF83238}" type="datetimeFigureOut">
               <a:rPr lang="zh-CN" altLang="en-US" smtClean="0"/>
               <a:t>2024/3/10</a:t>
             </a:fld>
@@ -2674,7 +2674,7 @@
           <p:cNvPr id="6" name="页脚占位符 5">
             <a:extLst>
               <a:ext uri="{FF2B5EF4-FFF2-40B4-BE49-F238E27FC236}">
-                <a16:creationId xmlns:a16="http://schemas.microsoft.com/office/drawing/2014/main" id="{B8D1F86C-AE6B-6A6A-A526-22A3CC532C41}"/>
+                <a16:creationId xmlns:a16="http://schemas.microsoft.com/office/drawing/2014/main" id="{D9EFD2E9-2581-F640-B515-03B4EA814FF9}"/>
               </a:ext>
             </a:extLst>
           </p:cNvPr>
@@ -2699,7 +2699,7 @@
           <p:cNvPr id="7" name="灯片编号占位符 6">
             <a:extLst>
               <a:ext uri="{FF2B5EF4-FFF2-40B4-BE49-F238E27FC236}">
-                <a16:creationId xmlns:a16="http://schemas.microsoft.com/office/drawing/2014/main" id="{11B9194E-C79A-0E7B-1B1E-D79508E599EF}"/>
+                <a16:creationId xmlns:a16="http://schemas.microsoft.com/office/drawing/2014/main" id="{5DCEF00B-9C50-2466-6A1E-D5F17E98B4C3}"/>
               </a:ext>
             </a:extLst>
           </p:cNvPr>
@@ -2715,7 +2715,7 @@
           <a:bodyPr/>
           <a:lstStyle/>
           <a:p>
-            <a:fld id="{AE560BD7-21F7-4820-BE0D-6AAE7E369511}" type="slidenum">
+            <a:fld id="{866AAB7D-46B1-415B-877D-8F40988185A1}" type="slidenum">
               <a:rPr lang="zh-CN" altLang="en-US" smtClean="0"/>
               <a:t>‹#›</a:t>
             </a:fld>
@@ -2726,7 +2726,7 @@
     </p:spTree>
     <p:extLst>
       <p:ext uri="{BB962C8B-B14F-4D97-AF65-F5344CB8AC3E}">
-        <p14:creationId xmlns:p14="http://schemas.microsoft.com/office/powerpoint/2010/main" val="2039676924"/>
+        <p14:creationId xmlns:p14="http://schemas.microsoft.com/office/powerpoint/2010/main" val="3336038234"/>
       </p:ext>
     </p:extLst>
   </p:cSld>
@@ -2763,7 +2763,7 @@
           <p:cNvPr id="2" name="标题占位符 1">
             <a:extLst>
               <a:ext uri="{FF2B5EF4-FFF2-40B4-BE49-F238E27FC236}">
-                <a16:creationId xmlns:a16="http://schemas.microsoft.com/office/drawing/2014/main" id="{AEF07691-6046-D2B5-6602-AFA68C4B6B8D}"/>
+                <a16:creationId xmlns:a16="http://schemas.microsoft.com/office/drawing/2014/main" id="{0EF29353-2E6A-BE89-3839-B9927A774D04}"/>
               </a:ext>
             </a:extLst>
           </p:cNvPr>
@@ -2801,7 +2801,7 @@
           <p:cNvPr id="3" name="文本占位符 2">
             <a:extLst>
               <a:ext uri="{FF2B5EF4-FFF2-40B4-BE49-F238E27FC236}">
-                <a16:creationId xmlns:a16="http://schemas.microsoft.com/office/drawing/2014/main" id="{CF0D3D59-0EA7-5A2E-DB05-A456D12DAE3A}"/>
+                <a16:creationId xmlns:a16="http://schemas.microsoft.com/office/drawing/2014/main" id="{5773EEA2-5BF9-FED6-1652-94E95041BB64}"/>
               </a:ext>
             </a:extLst>
           </p:cNvPr>
@@ -2868,7 +2868,7 @@
           <p:cNvPr id="4" name="日期占位符 3">
             <a:extLst>
               <a:ext uri="{FF2B5EF4-FFF2-40B4-BE49-F238E27FC236}">
-                <a16:creationId xmlns:a16="http://schemas.microsoft.com/office/drawing/2014/main" id="{1EDAC0D5-3128-9BD2-3211-7B247420B824}"/>
+                <a16:creationId xmlns:a16="http://schemas.microsoft.com/office/drawing/2014/main" id="{439299E7-AED6-706F-15B3-98F297DC68D5}"/>
               </a:ext>
             </a:extLst>
           </p:cNvPr>
@@ -2902,7 +2902,7 @@
             </a:lvl1pPr>
           </a:lstStyle>
           <a:p>
-            <a:fld id="{4323ADD4-54BF-4768-9909-BEA81ABD965D}" type="datetimeFigureOut">
+            <a:fld id="{7CBB8669-DCB0-4D78-8B15-0C626FF83238}" type="datetimeFigureOut">
               <a:rPr lang="zh-CN" altLang="en-US" smtClean="0"/>
               <a:t>2024/3/10</a:t>
             </a:fld>
@@ -2915,7 +2915,7 @@
           <p:cNvPr id="5" name="页脚占位符 4">
             <a:extLst>
               <a:ext uri="{FF2B5EF4-FFF2-40B4-BE49-F238E27FC236}">
-                <a16:creationId xmlns:a16="http://schemas.microsoft.com/office/drawing/2014/main" id="{E0CB53D3-2780-4630-A677-EC57CBC34B95}"/>
+                <a16:creationId xmlns:a16="http://schemas.microsoft.com/office/drawing/2014/main" id="{DC0B6465-8A98-79A7-25C7-B0C4E2B9C0F9}"/>
               </a:ext>
             </a:extLst>
           </p:cNvPr>
@@ -2958,7 +2958,7 @@
           <p:cNvPr id="6" name="灯片编号占位符 5">
             <a:extLst>
               <a:ext uri="{FF2B5EF4-FFF2-40B4-BE49-F238E27FC236}">
-                <a16:creationId xmlns:a16="http://schemas.microsoft.com/office/drawing/2014/main" id="{B7BFC853-F84C-4637-1A19-92E52ED79F5A}"/>
+                <a16:creationId xmlns:a16="http://schemas.microsoft.com/office/drawing/2014/main" id="{77712CD0-CB26-26EF-F5D4-3C43E9A58623}"/>
               </a:ext>
             </a:extLst>
           </p:cNvPr>
@@ -2992,7 +2992,7 @@
             </a:lvl1pPr>
           </a:lstStyle>
           <a:p>
-            <a:fld id="{AE560BD7-21F7-4820-BE0D-6AAE7E369511}" type="slidenum">
+            <a:fld id="{866AAB7D-46B1-415B-877D-8F40988185A1}" type="slidenum">
               <a:rPr lang="zh-CN" altLang="en-US" smtClean="0"/>
               <a:t>‹#›</a:t>
             </a:fld>
@@ -3003,7 +3003,7 @@
     </p:spTree>
     <p:extLst>
       <p:ext uri="{BB962C8B-B14F-4D97-AF65-F5344CB8AC3E}">
-        <p14:creationId xmlns:p14="http://schemas.microsoft.com/office/powerpoint/2010/main" val="1023972408"/>
+        <p14:creationId xmlns:p14="http://schemas.microsoft.com/office/powerpoint/2010/main" val="3703854975"/>
       </p:ext>
     </p:extLst>
   </p:cSld>
